--- a/Epam project.pptx
+++ b/Epam project.pptx
@@ -7,19 +7,18 @@
     <p:sldMasterId id="2147483663" r:id="rId6"/>
   </p:sldMasterIdLst>
   <p:notesMasterIdLst>
-    <p:notesMasterId r:id="rId14"/>
+    <p:notesMasterId r:id="rId13"/>
   </p:notesMasterIdLst>
   <p:handoutMasterIdLst>
-    <p:handoutMasterId r:id="rId15"/>
+    <p:handoutMasterId r:id="rId14"/>
   </p:handoutMasterIdLst>
   <p:sldIdLst>
     <p:sldId id="278" r:id="rId7"/>
     <p:sldId id="279" r:id="rId8"/>
-    <p:sldId id="291" r:id="rId9"/>
+    <p:sldId id="293" r:id="rId9"/>
     <p:sldId id="292" r:id="rId10"/>
-    <p:sldId id="293" r:id="rId11"/>
-    <p:sldId id="294" r:id="rId12"/>
-    <p:sldId id="290" r:id="rId13"/>
+    <p:sldId id="294" r:id="rId11"/>
+    <p:sldId id="290" r:id="rId12"/>
   </p:sldIdLst>
   <p:sldSz cx="9144000" cy="5143500" type="screen16x9"/>
   <p:notesSz cx="6858000" cy="9144000"/>
@@ -144,13 +143,13 @@
 <pc:chgInfo xmlns:a="http://schemas.openxmlformats.org/drawingml/2006/main" xmlns:r="http://schemas.openxmlformats.org/officeDocument/2006/relationships" xmlns:ac="http://schemas.microsoft.com/office/drawing/2013/main/command" xmlns:pc="http://schemas.microsoft.com/office/powerpoint/2013/main/command">
   <pc:docChgLst>
     <pc:chgData name="Mykhailo Prischepniy" userId="18bcf25ff5b5a66c" providerId="LiveId" clId="{1A8F60DC-0FAA-4F10-B9DB-CE887B011FD1}"/>
-    <pc:docChg chg="undo custSel addSld delSld modSld">
-      <pc:chgData name="Mykhailo Prischepniy" userId="18bcf25ff5b5a66c" providerId="LiveId" clId="{1A8F60DC-0FAA-4F10-B9DB-CE887B011FD1}" dt="2023-02-04T19:06:19.009" v="1031" actId="1076"/>
+    <pc:docChg chg="undo custSel addSld delSld modSld sldOrd">
+      <pc:chgData name="Mykhailo Prischepniy" userId="18bcf25ff5b5a66c" providerId="LiveId" clId="{1A8F60DC-0FAA-4F10-B9DB-CE887B011FD1}" dt="2023-02-22T07:45:14.599" v="3552" actId="6549"/>
       <pc:docMkLst>
         <pc:docMk/>
       </pc:docMkLst>
       <pc:sldChg chg="addSp delSp modSp mod">
-        <pc:chgData name="Mykhailo Prischepniy" userId="18bcf25ff5b5a66c" providerId="LiveId" clId="{1A8F60DC-0FAA-4F10-B9DB-CE887B011FD1}" dt="2023-01-31T09:14:51.561" v="131" actId="20577"/>
+        <pc:chgData name="Mykhailo Prischepniy" userId="18bcf25ff5b5a66c" providerId="LiveId" clId="{1A8F60DC-0FAA-4F10-B9DB-CE887B011FD1}" dt="2023-02-13T13:24:06.139" v="1343" actId="20577"/>
         <pc:sldMkLst>
           <pc:docMk/>
           <pc:sldMk cId="1641872572" sldId="278"/>
@@ -164,7 +163,7 @@
           </ac:spMkLst>
         </pc:spChg>
         <pc:spChg chg="mod">
-          <ac:chgData name="Mykhailo Prischepniy" userId="18bcf25ff5b5a66c" providerId="LiveId" clId="{1A8F60DC-0FAA-4F10-B9DB-CE887B011FD1}" dt="2023-01-31T09:13:41.205" v="66" actId="20577"/>
+          <ac:chgData name="Mykhailo Prischepniy" userId="18bcf25ff5b5a66c" providerId="LiveId" clId="{1A8F60DC-0FAA-4F10-B9DB-CE887B011FD1}" dt="2023-02-13T13:24:06.139" v="1343" actId="20577"/>
           <ac:spMkLst>
             <pc:docMk/>
             <pc:sldMk cId="1641872572" sldId="278"/>
@@ -188,26 +187,34 @@
           </ac:spMkLst>
         </pc:spChg>
       </pc:sldChg>
-      <pc:sldChg chg="modSp mod">
-        <pc:chgData name="Mykhailo Prischepniy" userId="18bcf25ff5b5a66c" providerId="LiveId" clId="{1A8F60DC-0FAA-4F10-B9DB-CE887B011FD1}" dt="2023-02-01T09:19:45.792" v="800" actId="20577"/>
+      <pc:sldChg chg="modSp mod modClrScheme chgLayout">
+        <pc:chgData name="Mykhailo Prischepniy" userId="18bcf25ff5b5a66c" providerId="LiveId" clId="{1A8F60DC-0FAA-4F10-B9DB-CE887B011FD1}" dt="2023-02-22T07:30:00.438" v="3081" actId="1076"/>
         <pc:sldMkLst>
           <pc:docMk/>
           <pc:sldMk cId="3937270525" sldId="279"/>
         </pc:sldMkLst>
-        <pc:spChg chg="mod">
-          <ac:chgData name="Mykhailo Prischepniy" userId="18bcf25ff5b5a66c" providerId="LiveId" clId="{1A8F60DC-0FAA-4F10-B9DB-CE887B011FD1}" dt="2023-01-31T09:40:32.001" v="147" actId="20577"/>
+        <pc:spChg chg="mod ord">
+          <ac:chgData name="Mykhailo Prischepniy" userId="18bcf25ff5b5a66c" providerId="LiveId" clId="{1A8F60DC-0FAA-4F10-B9DB-CE887B011FD1}" dt="2023-02-13T15:28:43.815" v="2954" actId="700"/>
           <ac:spMkLst>
             <pc:docMk/>
             <pc:sldMk cId="3937270525" sldId="279"/>
             <ac:spMk id="2" creationId="{00000000-0000-0000-0000-000000000000}"/>
           </ac:spMkLst>
         </pc:spChg>
-        <pc:spChg chg="mod">
-          <ac:chgData name="Mykhailo Prischepniy" userId="18bcf25ff5b5a66c" providerId="LiveId" clId="{1A8F60DC-0FAA-4F10-B9DB-CE887B011FD1}" dt="2023-02-01T09:19:45.792" v="800" actId="20577"/>
+        <pc:spChg chg="mod ord">
+          <ac:chgData name="Mykhailo Prischepniy" userId="18bcf25ff5b5a66c" providerId="LiveId" clId="{1A8F60DC-0FAA-4F10-B9DB-CE887B011FD1}" dt="2023-02-22T07:30:00.438" v="3081" actId="1076"/>
           <ac:spMkLst>
             <pc:docMk/>
             <pc:sldMk cId="3937270525" sldId="279"/>
             <ac:spMk id="3" creationId="{00000000-0000-0000-0000-000000000000}"/>
+          </ac:spMkLst>
+        </pc:spChg>
+        <pc:spChg chg="mod ord">
+          <ac:chgData name="Mykhailo Prischepniy" userId="18bcf25ff5b5a66c" providerId="LiveId" clId="{1A8F60DC-0FAA-4F10-B9DB-CE887B011FD1}" dt="2023-02-13T15:28:43.815" v="2954" actId="700"/>
+          <ac:spMkLst>
+            <pc:docMk/>
+            <pc:sldMk cId="3937270525" sldId="279"/>
+            <ac:spMk id="4" creationId="{706F2CBD-7975-49B2-810C-75BFA6E26F22}"/>
           </ac:spMkLst>
         </pc:spChg>
       </pc:sldChg>
@@ -253,105 +260,255 @@
           <pc:sldMk cId="1700261931" sldId="285"/>
         </pc:sldMkLst>
       </pc:sldChg>
-      <pc:sldChg chg="modSp add mod">
-        <pc:chgData name="Mykhailo Prischepniy" userId="18bcf25ff5b5a66c" providerId="LiveId" clId="{1A8F60DC-0FAA-4F10-B9DB-CE887B011FD1}" dt="2023-02-01T09:26:34.087" v="832" actId="1076"/>
+      <pc:sldChg chg="modSp mod modClrScheme chgLayout">
+        <pc:chgData name="Mykhailo Prischepniy" userId="18bcf25ff5b5a66c" providerId="LiveId" clId="{1A8F60DC-0FAA-4F10-B9DB-CE887B011FD1}" dt="2023-02-13T15:30:47.299" v="2977" actId="207"/>
+        <pc:sldMkLst>
+          <pc:docMk/>
+          <pc:sldMk cId="1941700833" sldId="290"/>
+        </pc:sldMkLst>
+        <pc:spChg chg="mod ord">
+          <ac:chgData name="Mykhailo Prischepniy" userId="18bcf25ff5b5a66c" providerId="LiveId" clId="{1A8F60DC-0FAA-4F10-B9DB-CE887B011FD1}" dt="2023-02-13T15:30:25.497" v="2973" actId="700"/>
+          <ac:spMkLst>
+            <pc:docMk/>
+            <pc:sldMk cId="1941700833" sldId="290"/>
+            <ac:spMk id="5" creationId="{B509168F-436F-85B2-8C63-4661D6CB874D}"/>
+          </ac:spMkLst>
+        </pc:spChg>
+        <pc:spChg chg="mod">
+          <ac:chgData name="Mykhailo Prischepniy" userId="18bcf25ff5b5a66c" providerId="LiveId" clId="{1A8F60DC-0FAA-4F10-B9DB-CE887B011FD1}" dt="2023-02-13T15:30:47.299" v="2977" actId="207"/>
+          <ac:spMkLst>
+            <pc:docMk/>
+            <pc:sldMk cId="1941700833" sldId="290"/>
+            <ac:spMk id="7" creationId="{F802EFD1-582A-8E89-6D43-8B5EFD7D902E}"/>
+          </ac:spMkLst>
+        </pc:spChg>
+      </pc:sldChg>
+      <pc:sldChg chg="addSp delSp modSp add del mod modClrScheme chgLayout">
+        <pc:chgData name="Mykhailo Prischepniy" userId="18bcf25ff5b5a66c" providerId="LiveId" clId="{1A8F60DC-0FAA-4F10-B9DB-CE887B011FD1}" dt="2023-02-13T21:03:09.840" v="3016" actId="2696"/>
         <pc:sldMkLst>
           <pc:docMk/>
           <pc:sldMk cId="3425029245" sldId="291"/>
         </pc:sldMkLst>
-        <pc:spChg chg="mod">
-          <ac:chgData name="Mykhailo Prischepniy" userId="18bcf25ff5b5a66c" providerId="LiveId" clId="{1A8F60DC-0FAA-4F10-B9DB-CE887B011FD1}" dt="2023-02-01T09:24:21.887" v="817" actId="20577"/>
+        <pc:spChg chg="mod ord">
+          <ac:chgData name="Mykhailo Prischepniy" userId="18bcf25ff5b5a66c" providerId="LiveId" clId="{1A8F60DC-0FAA-4F10-B9DB-CE887B011FD1}" dt="2023-02-13T15:29:41.780" v="2965" actId="700"/>
           <ac:spMkLst>
             <pc:docMk/>
             <pc:sldMk cId="3425029245" sldId="291"/>
             <ac:spMk id="2" creationId="{00000000-0000-0000-0000-000000000000}"/>
           </ac:spMkLst>
         </pc:spChg>
-        <pc:spChg chg="mod">
-          <ac:chgData name="Mykhailo Prischepniy" userId="18bcf25ff5b5a66c" providerId="LiveId" clId="{1A8F60DC-0FAA-4F10-B9DB-CE887B011FD1}" dt="2023-02-01T09:26:34.087" v="832" actId="1076"/>
+        <pc:spChg chg="add del mod">
+          <ac:chgData name="Mykhailo Prischepniy" userId="18bcf25ff5b5a66c" providerId="LiveId" clId="{1A8F60DC-0FAA-4F10-B9DB-CE887B011FD1}" dt="2023-02-13T14:20:22.623" v="2648" actId="21"/>
           <ac:spMkLst>
             <pc:docMk/>
             <pc:sldMk cId="3425029245" sldId="291"/>
             <ac:spMk id="3" creationId="{00000000-0000-0000-0000-000000000000}"/>
           </ac:spMkLst>
         </pc:spChg>
+        <pc:spChg chg="mod ord">
+          <ac:chgData name="Mykhailo Prischepniy" userId="18bcf25ff5b5a66c" providerId="LiveId" clId="{1A8F60DC-0FAA-4F10-B9DB-CE887B011FD1}" dt="2023-02-13T15:29:41.780" v="2965" actId="700"/>
+          <ac:spMkLst>
+            <pc:docMk/>
+            <pc:sldMk cId="3425029245" sldId="291"/>
+            <ac:spMk id="4" creationId="{706F2CBD-7975-49B2-810C-75BFA6E26F22}"/>
+          </ac:spMkLst>
+        </pc:spChg>
+        <pc:spChg chg="add del mod">
+          <ac:chgData name="Mykhailo Prischepniy" userId="18bcf25ff5b5a66c" providerId="LiveId" clId="{1A8F60DC-0FAA-4F10-B9DB-CE887B011FD1}" dt="2023-02-13T15:10:52.740" v="2703"/>
+          <ac:spMkLst>
+            <pc:docMk/>
+            <pc:sldMk cId="3425029245" sldId="291"/>
+            <ac:spMk id="5" creationId="{B3DC584F-5876-8BCD-4FC9-5B1D5775383B}"/>
+          </ac:spMkLst>
+        </pc:spChg>
+        <pc:spChg chg="add del mod">
+          <ac:chgData name="Mykhailo Prischepniy" userId="18bcf25ff5b5a66c" providerId="LiveId" clId="{1A8F60DC-0FAA-4F10-B9DB-CE887B011FD1}" dt="2023-02-13T14:20:06.891" v="2645" actId="478"/>
+          <ac:spMkLst>
+            <pc:docMk/>
+            <pc:sldMk cId="3425029245" sldId="291"/>
+            <ac:spMk id="7" creationId="{0AAA79AF-F529-4A78-8CDE-04EF7D6B811F}"/>
+          </ac:spMkLst>
+        </pc:spChg>
+        <pc:spChg chg="add del mod">
+          <ac:chgData name="Mykhailo Prischepniy" userId="18bcf25ff5b5a66c" providerId="LiveId" clId="{1A8F60DC-0FAA-4F10-B9DB-CE887B011FD1}" dt="2023-02-13T14:20:12.409" v="2647" actId="478"/>
+          <ac:spMkLst>
+            <pc:docMk/>
+            <pc:sldMk cId="3425029245" sldId="291"/>
+            <ac:spMk id="9" creationId="{D00E63DC-9E2D-4EDD-B6AD-D2695E562FF1}"/>
+          </ac:spMkLst>
+        </pc:spChg>
+        <pc:spChg chg="add del mod">
+          <ac:chgData name="Mykhailo Prischepniy" userId="18bcf25ff5b5a66c" providerId="LiveId" clId="{1A8F60DC-0FAA-4F10-B9DB-CE887B011FD1}" dt="2023-02-13T14:20:30.317" v="2650" actId="478"/>
+          <ac:spMkLst>
+            <pc:docMk/>
+            <pc:sldMk cId="3425029245" sldId="291"/>
+            <ac:spMk id="11" creationId="{EE03DCD4-9125-E699-60D8-D0C52040EA68}"/>
+          </ac:spMkLst>
+        </pc:spChg>
+        <pc:spChg chg="add">
+          <ac:chgData name="Mykhailo Prischepniy" userId="18bcf25ff5b5a66c" providerId="LiveId" clId="{1A8F60DC-0FAA-4F10-B9DB-CE887B011FD1}" dt="2023-02-13T15:11:04.991" v="2704" actId="22"/>
+          <ac:spMkLst>
+            <pc:docMk/>
+            <pc:sldMk cId="3425029245" sldId="291"/>
+            <ac:spMk id="13" creationId="{79000D0E-593A-86F6-5882-DF28B23EEB1C}"/>
+          </ac:spMkLst>
+        </pc:spChg>
+        <pc:spChg chg="add del mod ord">
+          <ac:chgData name="Mykhailo Prischepniy" userId="18bcf25ff5b5a66c" providerId="LiveId" clId="{1A8F60DC-0FAA-4F10-B9DB-CE887B011FD1}" dt="2023-02-13T15:28:28.746" v="2952" actId="700"/>
+          <ac:spMkLst>
+            <pc:docMk/>
+            <pc:sldMk cId="3425029245" sldId="291"/>
+            <ac:spMk id="14" creationId="{DC1ED3CF-41FE-C173-6EBF-42C021EB7B77}"/>
+          </ac:spMkLst>
+        </pc:spChg>
+        <pc:spChg chg="add del mod ord">
+          <ac:chgData name="Mykhailo Prischepniy" userId="18bcf25ff5b5a66c" providerId="LiveId" clId="{1A8F60DC-0FAA-4F10-B9DB-CE887B011FD1}" dt="2023-02-13T15:29:34.397" v="2963" actId="700"/>
+          <ac:spMkLst>
+            <pc:docMk/>
+            <pc:sldMk cId="3425029245" sldId="291"/>
+            <ac:spMk id="15" creationId="{FDD12BF8-B280-34B6-6F2D-C79CCDE90A68}"/>
+          </ac:spMkLst>
+        </pc:spChg>
       </pc:sldChg>
-      <pc:sldChg chg="addSp modSp add mod">
-        <pc:chgData name="Mykhailo Prischepniy" userId="18bcf25ff5b5a66c" providerId="LiveId" clId="{1A8F60DC-0FAA-4F10-B9DB-CE887B011FD1}" dt="2023-02-04T19:06:19.009" v="1031" actId="1076"/>
+      <pc:sldChg chg="addSp delSp modSp add mod ord modClrScheme chgLayout">
+        <pc:chgData name="Mykhailo Prischepniy" userId="18bcf25ff5b5a66c" providerId="LiveId" clId="{1A8F60DC-0FAA-4F10-B9DB-CE887B011FD1}" dt="2023-02-22T07:29:24.069" v="3080" actId="1076"/>
         <pc:sldMkLst>
           <pc:docMk/>
           <pc:sldMk cId="759235107" sldId="292"/>
         </pc:sldMkLst>
-        <pc:spChg chg="mod">
-          <ac:chgData name="Mykhailo Prischepniy" userId="18bcf25ff5b5a66c" providerId="LiveId" clId="{1A8F60DC-0FAA-4F10-B9DB-CE887B011FD1}" dt="2023-02-01T09:27:31.180" v="839" actId="20577"/>
+        <pc:spChg chg="mod ord">
+          <ac:chgData name="Mykhailo Prischepniy" userId="18bcf25ff5b5a66c" providerId="LiveId" clId="{1A8F60DC-0FAA-4F10-B9DB-CE887B011FD1}" dt="2023-02-13T15:29:55.845" v="2967" actId="700"/>
           <ac:spMkLst>
             <pc:docMk/>
             <pc:sldMk cId="759235107" sldId="292"/>
             <ac:spMk id="2" creationId="{00000000-0000-0000-0000-000000000000}"/>
           </ac:spMkLst>
         </pc:spChg>
-        <pc:spChg chg="mod">
-          <ac:chgData name="Mykhailo Prischepniy" userId="18bcf25ff5b5a66c" providerId="LiveId" clId="{1A8F60DC-0FAA-4F10-B9DB-CE887B011FD1}" dt="2023-02-01T09:32:02.022" v="886" actId="20577"/>
+        <pc:spChg chg="del mod">
+          <ac:chgData name="Mykhailo Prischepniy" userId="18bcf25ff5b5a66c" providerId="LiveId" clId="{1A8F60DC-0FAA-4F10-B9DB-CE887B011FD1}" dt="2023-02-13T14:21:38.052" v="2684" actId="931"/>
           <ac:spMkLst>
             <pc:docMk/>
             <pc:sldMk cId="759235107" sldId="292"/>
             <ac:spMk id="3" creationId="{00000000-0000-0000-0000-000000000000}"/>
           </ac:spMkLst>
         </pc:spChg>
+        <pc:spChg chg="mod ord">
+          <ac:chgData name="Mykhailo Prischepniy" userId="18bcf25ff5b5a66c" providerId="LiveId" clId="{1A8F60DC-0FAA-4F10-B9DB-CE887B011FD1}" dt="2023-02-13T15:29:55.845" v="2967" actId="700"/>
+          <ac:spMkLst>
+            <pc:docMk/>
+            <pc:sldMk cId="759235107" sldId="292"/>
+            <ac:spMk id="4" creationId="{706F2CBD-7975-49B2-810C-75BFA6E26F22}"/>
+          </ac:spMkLst>
+        </pc:spChg>
         <pc:picChg chg="add mod">
-          <ac:chgData name="Mykhailo Prischepniy" userId="18bcf25ff5b5a66c" providerId="LiveId" clId="{1A8F60DC-0FAA-4F10-B9DB-CE887B011FD1}" dt="2023-02-04T19:06:19.009" v="1031" actId="1076"/>
+          <ac:chgData name="Mykhailo Prischepniy" userId="18bcf25ff5b5a66c" providerId="LiveId" clId="{1A8F60DC-0FAA-4F10-B9DB-CE887B011FD1}" dt="2023-02-22T07:29:24.069" v="3080" actId="1076"/>
+          <ac:picMkLst>
+            <pc:docMk/>
+            <pc:sldMk cId="759235107" sldId="292"/>
+            <ac:picMk id="5" creationId="{851D51A6-64C3-D6A9-0FC0-1509B98844CB}"/>
+          </ac:picMkLst>
+        </pc:picChg>
+        <pc:picChg chg="add del mod">
+          <ac:chgData name="Mykhailo Prischepniy" userId="18bcf25ff5b5a66c" providerId="LiveId" clId="{1A8F60DC-0FAA-4F10-B9DB-CE887B011FD1}" dt="2023-02-13T14:21:08.247" v="2681" actId="478"/>
           <ac:picMkLst>
             <pc:docMk/>
             <pc:sldMk cId="759235107" sldId="292"/>
             <ac:picMk id="6" creationId="{F1CF93CA-BB81-9D71-B962-DF2C92BB9329}"/>
           </ac:picMkLst>
         </pc:picChg>
+        <pc:picChg chg="add del mod ord">
+          <ac:chgData name="Mykhailo Prischepniy" userId="18bcf25ff5b5a66c" providerId="LiveId" clId="{1A8F60DC-0FAA-4F10-B9DB-CE887B011FD1}" dt="2023-02-22T07:29:03.303" v="3076" actId="478"/>
+          <ac:picMkLst>
+            <pc:docMk/>
+            <pc:sldMk cId="759235107" sldId="292"/>
+            <ac:picMk id="7" creationId="{A5C321D8-032C-B4B3-1DB0-17D6E8449C33}"/>
+          </ac:picMkLst>
+        </pc:picChg>
       </pc:sldChg>
-      <pc:sldChg chg="modSp add mod">
-        <pc:chgData name="Mykhailo Prischepniy" userId="18bcf25ff5b5a66c" providerId="LiveId" clId="{1A8F60DC-0FAA-4F10-B9DB-CE887B011FD1}" dt="2023-02-01T09:33:10.343" v="986" actId="20577"/>
+      <pc:sldChg chg="addSp delSp modSp add mod modClrScheme chgLayout">
+        <pc:chgData name="Mykhailo Prischepniy" userId="18bcf25ff5b5a66c" providerId="LiveId" clId="{1A8F60DC-0FAA-4F10-B9DB-CE887B011FD1}" dt="2023-02-22T07:28:10.612" v="3075" actId="20577"/>
         <pc:sldMkLst>
           <pc:docMk/>
           <pc:sldMk cId="3499015099" sldId="293"/>
         </pc:sldMkLst>
-        <pc:spChg chg="mod">
-          <ac:chgData name="Mykhailo Prischepniy" userId="18bcf25ff5b5a66c" providerId="LiveId" clId="{1A8F60DC-0FAA-4F10-B9DB-CE887B011FD1}" dt="2023-02-01T09:32:38.797" v="916" actId="20577"/>
+        <pc:spChg chg="mod ord">
+          <ac:chgData name="Mykhailo Prischepniy" userId="18bcf25ff5b5a66c" providerId="LiveId" clId="{1A8F60DC-0FAA-4F10-B9DB-CE887B011FD1}" dt="2023-02-13T15:29:48.170" v="2966" actId="700"/>
           <ac:spMkLst>
             <pc:docMk/>
             <pc:sldMk cId="3499015099" sldId="293"/>
             <ac:spMk id="2" creationId="{00000000-0000-0000-0000-000000000000}"/>
           </ac:spMkLst>
         </pc:spChg>
-        <pc:spChg chg="mod">
-          <ac:chgData name="Mykhailo Prischepniy" userId="18bcf25ff5b5a66c" providerId="LiveId" clId="{1A8F60DC-0FAA-4F10-B9DB-CE887B011FD1}" dt="2023-02-01T09:33:10.343" v="986" actId="20577"/>
+        <pc:spChg chg="del mod">
+          <ac:chgData name="Mykhailo Prischepniy" userId="18bcf25ff5b5a66c" providerId="LiveId" clId="{1A8F60DC-0FAA-4F10-B9DB-CE887B011FD1}" dt="2023-02-13T14:37:43.416" v="2694" actId="478"/>
           <ac:spMkLst>
             <pc:docMk/>
             <pc:sldMk cId="3499015099" sldId="293"/>
             <ac:spMk id="3" creationId="{00000000-0000-0000-0000-000000000000}"/>
           </ac:spMkLst>
         </pc:spChg>
+        <pc:spChg chg="mod ord">
+          <ac:chgData name="Mykhailo Prischepniy" userId="18bcf25ff5b5a66c" providerId="LiveId" clId="{1A8F60DC-0FAA-4F10-B9DB-CE887B011FD1}" dt="2023-02-13T15:29:48.170" v="2966" actId="700"/>
+          <ac:spMkLst>
+            <pc:docMk/>
+            <pc:sldMk cId="3499015099" sldId="293"/>
+            <ac:spMk id="4" creationId="{706F2CBD-7975-49B2-810C-75BFA6E26F22}"/>
+          </ac:spMkLst>
+        </pc:spChg>
+        <pc:spChg chg="add del mod">
+          <ac:chgData name="Mykhailo Prischepniy" userId="18bcf25ff5b5a66c" providerId="LiveId" clId="{1A8F60DC-0FAA-4F10-B9DB-CE887B011FD1}" dt="2023-02-13T14:37:46.896" v="2695" actId="478"/>
+          <ac:spMkLst>
+            <pc:docMk/>
+            <pc:sldMk cId="3499015099" sldId="293"/>
+            <ac:spMk id="6" creationId="{D02A0C28-0F7E-1878-8D12-249FD39B374A}"/>
+          </ac:spMkLst>
+        </pc:spChg>
+        <pc:spChg chg="add mod">
+          <ac:chgData name="Mykhailo Prischepniy" userId="18bcf25ff5b5a66c" providerId="LiveId" clId="{1A8F60DC-0FAA-4F10-B9DB-CE887B011FD1}" dt="2023-02-22T07:28:10.612" v="3075" actId="20577"/>
+          <ac:spMkLst>
+            <pc:docMk/>
+            <pc:sldMk cId="3499015099" sldId="293"/>
+            <ac:spMk id="7" creationId="{5B37C7A6-D82E-0370-EBEA-B7EC4A693BDF}"/>
+          </ac:spMkLst>
+        </pc:spChg>
       </pc:sldChg>
-      <pc:sldChg chg="modSp add mod">
-        <pc:chgData name="Mykhailo Prischepniy" userId="18bcf25ff5b5a66c" providerId="LiveId" clId="{1A8F60DC-0FAA-4F10-B9DB-CE887B011FD1}" dt="2023-02-01T09:34:53.256" v="1028" actId="313"/>
+      <pc:sldChg chg="modSp add mod modClrScheme chgLayout">
+        <pc:chgData name="Mykhailo Prischepniy" userId="18bcf25ff5b5a66c" providerId="LiveId" clId="{1A8F60DC-0FAA-4F10-B9DB-CE887B011FD1}" dt="2023-02-22T07:45:14.599" v="3552" actId="6549"/>
         <pc:sldMkLst>
           <pc:docMk/>
           <pc:sldMk cId="3170592844" sldId="294"/>
         </pc:sldMkLst>
-        <pc:spChg chg="mod">
-          <ac:chgData name="Mykhailo Prischepniy" userId="18bcf25ff5b5a66c" providerId="LiveId" clId="{1A8F60DC-0FAA-4F10-B9DB-CE887B011FD1}" dt="2023-02-01T09:34:53.256" v="1028" actId="313"/>
+        <pc:spChg chg="mod ord">
+          <ac:chgData name="Mykhailo Prischepniy" userId="18bcf25ff5b5a66c" providerId="LiveId" clId="{1A8F60DC-0FAA-4F10-B9DB-CE887B011FD1}" dt="2023-02-13T21:00:43.123" v="3009" actId="700"/>
           <ac:spMkLst>
             <pc:docMk/>
             <pc:sldMk cId="3170592844" sldId="294"/>
             <ac:spMk id="2" creationId="{00000000-0000-0000-0000-000000000000}"/>
           </ac:spMkLst>
         </pc:spChg>
-        <pc:spChg chg="mod">
-          <ac:chgData name="Mykhailo Prischepniy" userId="18bcf25ff5b5a66c" providerId="LiveId" clId="{1A8F60DC-0FAA-4F10-B9DB-CE887B011FD1}" dt="2023-02-01T09:34:49.735" v="1027"/>
+        <pc:spChg chg="mod ord">
+          <ac:chgData name="Mykhailo Prischepniy" userId="18bcf25ff5b5a66c" providerId="LiveId" clId="{1A8F60DC-0FAA-4F10-B9DB-CE887B011FD1}" dt="2023-02-22T07:45:14.599" v="3552" actId="6549"/>
           <ac:spMkLst>
             <pc:docMk/>
             <pc:sldMk cId="3170592844" sldId="294"/>
             <ac:spMk id="3" creationId="{00000000-0000-0000-0000-000000000000}"/>
           </ac:spMkLst>
         </pc:spChg>
+        <pc:spChg chg="mod ord">
+          <ac:chgData name="Mykhailo Prischepniy" userId="18bcf25ff5b5a66c" providerId="LiveId" clId="{1A8F60DC-0FAA-4F10-B9DB-CE887B011FD1}" dt="2023-02-13T21:00:43.123" v="3009" actId="700"/>
+          <ac:spMkLst>
+            <pc:docMk/>
+            <pc:sldMk cId="3170592844" sldId="294"/>
+            <ac:spMk id="4" creationId="{706F2CBD-7975-49B2-810C-75BFA6E26F22}"/>
+          </ac:spMkLst>
+        </pc:spChg>
+      </pc:sldChg>
+      <pc:sldChg chg="add del">
+        <pc:chgData name="Mykhailo Prischepniy" userId="18bcf25ff5b5a66c" providerId="LiveId" clId="{1A8F60DC-0FAA-4F10-B9DB-CE887B011FD1}" dt="2023-02-13T15:11:13.634" v="2705" actId="2696"/>
+        <pc:sldMkLst>
+          <pc:docMk/>
+          <pc:sldMk cId="1727662866" sldId="295"/>
+        </pc:sldMkLst>
       </pc:sldChg>
     </pc:docChg>
   </pc:docChgLst>
@@ -440,7 +597,7 @@
           <a:p>
             <a:fld id="{3FDC14FC-A894-4869-A797-1EC82735D106}" type="datetimeFigureOut">
               <a:rPr lang="en-US" smtClean="0"/>
-              <a:t>2/4/2023</a:t>
+              <a:t>2/22/2023</a:t>
             </a:fld>
             <a:endParaRPr lang="en-US"/>
           </a:p>
@@ -605,7 +762,7 @@
           <a:p>
             <a:fld id="{B4F99C05-63F9-4248-8E20-3ACD9DF9DE7F}" type="datetimeFigureOut">
               <a:rPr lang="en-US" smtClean="0"/>
-              <a:t>2/4/2023</a:t>
+              <a:t>2/22/2023</a:t>
             </a:fld>
             <a:endParaRPr lang="en-US"/>
           </a:p>
@@ -21884,26 +22041,29 @@
           <a:lstStyle/>
           <a:p>
             <a:r>
-              <a:rPr lang="en-US" sz="3200" dirty="0"/>
+              <a:rPr lang="en-US" sz="2000" dirty="0"/>
               <a:t>EPAM </a:t>
             </a:r>
             <a:r>
-              <a:rPr lang="en-US" sz="3200" dirty="0" err="1"/>
+              <a:rPr lang="en-US" sz="2000" dirty="0" err="1"/>
               <a:t>Cloud&amp;DevOps</a:t>
+            </a:r>
+            <a:br>
+              <a:rPr lang="en-US" sz="2000" dirty="0"/>
+            </a:br>
+            <a:r>
+              <a:rPr lang="en-US" sz="2000" dirty="0"/>
+              <a:t>Fundamentals Course 2022</a:t>
             </a:r>
             <a:br>
               <a:rPr lang="en-US" sz="3200" dirty="0"/>
             </a:br>
-            <a:r>
-              <a:rPr lang="en-US" sz="3200" dirty="0"/>
-              <a:t>Fundamentals Course</a:t>
-            </a:r>
             <a:br>
               <a:rPr lang="en-US" sz="3200" dirty="0"/>
             </a:br>
             <a:r>
-              <a:rPr lang="en-US" sz="3200" dirty="0"/>
-              <a:t>2022</a:t>
+              <a:rPr lang="en-US" sz="4000" b="1" dirty="0"/>
+              <a:t>Final Task</a:t>
             </a:r>
           </a:p>
         </p:txBody>
@@ -22015,17 +22175,22 @@
             <a:spLocks noGrp="1"/>
           </p:cNvSpPr>
           <p:nvPr>
-            <p:ph type="title"/>
+            <p:ph type="title" idx="4294967295"/>
           </p:nvPr>
         </p:nvSpPr>
-        <p:spPr/>
+        <p:spPr>
+          <a:xfrm>
+            <a:off x="717550" y="228600"/>
+            <a:ext cx="8426450" cy="301625"/>
+          </a:xfrm>
+        </p:spPr>
         <p:txBody>
           <a:bodyPr/>
           <a:lstStyle/>
           <a:p>
             <a:r>
               <a:rPr lang="en-US" dirty="0"/>
-              <a:t>About Project</a:t>
+              <a:t>About the Project</a:t>
             </a:r>
           </a:p>
         </p:txBody>
@@ -22037,14 +22202,17 @@
             <a:spLocks noGrp="1"/>
           </p:cNvSpPr>
           <p:nvPr>
-            <p:ph sz="quarter" idx="10"/>
+            <p:ph sz="quarter" idx="4294967295"/>
           </p:nvPr>
         </p:nvSpPr>
         <p:spPr>
           <a:xfrm>
-            <a:off x="357187" y="873125"/>
-            <a:ext cx="8429625" cy="3397250"/>
+            <a:off x="392112" y="1005681"/>
+            <a:ext cx="8065294" cy="3820319"/>
           </a:xfrm>
+          <a:prstGeom prst="rect">
+            <a:avLst/>
+          </a:prstGeom>
         </p:spPr>
         <p:txBody>
           <a:bodyPr/>
@@ -22053,33 +22221,48 @@
             <a:pPr algn="just"/>
             <a:r>
               <a:rPr lang="en-US" sz="1200" dirty="0">
+                <a:solidFill>
+                  <a:schemeClr val="tx1"/>
+                </a:solidFill>
                 <a:latin typeface="+mn-lt"/>
               </a:rPr>
               <a:t>The project demonstrates the CI\CD process that is</a:t>
             </a:r>
             <a:r>
               <a:rPr lang="ru-RU" sz="1200" dirty="0">
+                <a:solidFill>
+                  <a:schemeClr val="tx1"/>
+                </a:solidFill>
                 <a:latin typeface="+mn-lt"/>
               </a:rPr>
               <a:t> </a:t>
             </a:r>
             <a:r>
               <a:rPr lang="en-US" sz="1200" dirty="0">
+                <a:solidFill>
+                  <a:schemeClr val="tx1"/>
+                </a:solidFill>
                 <a:latin typeface="+mn-lt"/>
               </a:rPr>
-              <a:t>relevant and commonly used in the current time for software development and implementation. </a:t>
+              <a:t>relevant and commonly used at the current time for software development and implementation. </a:t>
             </a:r>
           </a:p>
           <a:p>
             <a:pPr algn="just"/>
             <a:r>
-              <a:rPr lang="en-US" sz="1200" dirty="0">
+              <a:rPr lang="en-US" sz="1200" b="0" dirty="0">
+                <a:solidFill>
+                  <a:schemeClr val="tx1"/>
+                </a:solidFill>
                 <a:latin typeface="+mn-lt"/>
               </a:rPr>
               <a:t>It is </a:t>
             </a:r>
             <a:r>
               <a:rPr lang="en-US" sz="1200" b="0" i="0" dirty="0">
+                <a:solidFill>
+                  <a:schemeClr val="tx1"/>
+                </a:solidFill>
                 <a:effectLst/>
                 <a:latin typeface="+mn-lt"/>
               </a:rPr>
@@ -22090,6 +22273,9 @@
             <a:pPr algn="just"/>
             <a:r>
               <a:rPr lang="en-US" sz="1200" b="0" i="0" dirty="0">
+                <a:solidFill>
+                  <a:schemeClr val="tx1"/>
+                </a:solidFill>
                 <a:effectLst/>
                 <a:latin typeface="+mn-lt"/>
               </a:rPr>
@@ -22100,11 +22286,24 @@
             <a:pPr algn="l"/>
             <a:r>
               <a:rPr lang="en-US" sz="1200" b="0" i="0" dirty="0">
+                <a:solidFill>
+                  <a:schemeClr val="tx1"/>
+                </a:solidFill>
                 <a:effectLst/>
                 <a:latin typeface="+mn-lt"/>
               </a:rPr>
               <a:t>The project uses next tools and services:</a:t>
             </a:r>
+          </a:p>
+          <a:p>
+            <a:pPr algn="l"/>
+            <a:endParaRPr lang="en-US" sz="1200" b="0" i="0" dirty="0">
+              <a:solidFill>
+                <a:schemeClr val="tx1"/>
+              </a:solidFill>
+              <a:effectLst/>
+              <a:latin typeface="+mn-lt"/>
+            </a:endParaRPr>
           </a:p>
           <a:p>
             <a:pPr lvl="1"/>
@@ -22134,6 +22333,24 @@
               </a:rPr>
               <a:t>AWS Cloud </a:t>
             </a:r>
+            <a:r>
+              <a:rPr lang="ru-RU" sz="1200" i="0" dirty="0">
+                <a:effectLst/>
+                <a:latin typeface="+mn-lt"/>
+              </a:rPr>
+              <a:t>–</a:t>
+            </a:r>
+            <a:r>
+              <a:rPr lang="en-US" sz="1200" i="0" dirty="0">
+                <a:effectLst/>
+                <a:latin typeface="+mn-lt"/>
+              </a:rPr>
+              <a:t>Deployment of Prod and Dev environments </a:t>
+            </a:r>
+            <a:endParaRPr lang="en-US" sz="1200" b="1" i="0" dirty="0">
+              <a:effectLst/>
+              <a:latin typeface="+mn-lt"/>
+            </a:endParaRPr>
           </a:p>
           <a:p>
             <a:pPr lvl="1"/>
@@ -22142,35 +22359,37 @@
                 <a:effectLst/>
                 <a:latin typeface="+mn-lt"/>
               </a:rPr>
-              <a:t>Jenkins</a:t>
-            </a:r>
+              <a:t>Jenkins </a:t>
+            </a:r>
+            <a:r>
+              <a:rPr lang="en-US" sz="1200" i="0" dirty="0">
+                <a:effectLst/>
+                <a:latin typeface="+mn-lt"/>
+              </a:rPr>
+              <a:t>– CI/CD processed automation</a:t>
+            </a:r>
+            <a:endParaRPr lang="en-US" sz="1200" b="1" i="0" dirty="0">
+              <a:effectLst/>
+              <a:latin typeface="+mn-lt"/>
+            </a:endParaRPr>
           </a:p>
           <a:p>
             <a:pPr lvl="1"/>
             <a:r>
               <a:rPr lang="en-US" sz="1200" b="1" dirty="0"/>
-              <a:t>Terraform</a:t>
-            </a:r>
-          </a:p>
-          <a:p>
-            <a:pPr lvl="1"/>
-            <a:r>
-              <a:rPr lang="en-US" sz="1200" b="1" i="0" dirty="0">
-                <a:effectLst/>
-                <a:latin typeface="+mn-lt"/>
-              </a:rPr>
-              <a:t>Ansible</a:t>
-            </a:r>
-          </a:p>
-          <a:p>
-            <a:pPr lvl="1"/>
-            <a:r>
-              <a:rPr lang="en-US" sz="1200" b="1" dirty="0"/>
-              <a:t>Docker and </a:t>
-            </a:r>
-            <a:r>
-              <a:rPr lang="en-US" sz="1200" b="1" dirty="0" err="1"/>
-              <a:t>Dockerhub</a:t>
+              <a:t>Terraform </a:t>
+            </a:r>
+            <a:r>
+              <a:rPr lang="en-US" sz="1200" dirty="0"/>
+              <a:t>– automation of </a:t>
+            </a:r>
+            <a:r>
+              <a:rPr lang="en-US" sz="1200" dirty="0" err="1"/>
+              <a:t>IaC</a:t>
+            </a:r>
+            <a:r>
+              <a:rPr lang="en-US" sz="1200" dirty="0"/>
+              <a:t> environment deployment on AWS</a:t>
             </a:r>
             <a:endParaRPr lang="en-US" sz="1200" b="1" dirty="0"/>
           </a:p>
@@ -22181,8 +22400,56 @@
                 <a:effectLst/>
                 <a:latin typeface="+mn-lt"/>
               </a:rPr>
+              <a:t>Ansible </a:t>
+            </a:r>
+            <a:r>
+              <a:rPr lang="en-US" sz="1200" i="0" dirty="0">
+                <a:effectLst/>
+                <a:latin typeface="+mn-lt"/>
+              </a:rPr>
+              <a:t>– instances configuration management</a:t>
+            </a:r>
+            <a:endParaRPr lang="en-US" sz="1200" b="1" i="0" dirty="0">
+              <a:effectLst/>
+              <a:latin typeface="+mn-lt"/>
+            </a:endParaRPr>
+          </a:p>
+          <a:p>
+            <a:pPr lvl="1"/>
+            <a:r>
+              <a:rPr lang="en-US" sz="1200" b="1" dirty="0"/>
+              <a:t>Docker and </a:t>
+            </a:r>
+            <a:r>
+              <a:rPr lang="en-US" sz="1200" b="1" dirty="0" err="1"/>
+              <a:t>Dockerhub</a:t>
+            </a:r>
+            <a:r>
+              <a:rPr lang="en-US" sz="1200" b="1" dirty="0"/>
+              <a:t> </a:t>
+            </a:r>
+            <a:r>
+              <a:rPr lang="en-US" sz="1200" dirty="0"/>
+              <a:t>– artifacts build and storage</a:t>
+            </a:r>
+          </a:p>
+          <a:p>
+            <a:pPr lvl="1"/>
+            <a:r>
+              <a:rPr lang="en-US" sz="1200" b="1" i="0" dirty="0">
+                <a:effectLst/>
+                <a:latin typeface="+mn-lt"/>
+              </a:rPr>
               <a:t>Slack integration </a:t>
             </a:r>
+            <a:r>
+              <a:rPr lang="en-US" sz="1200" dirty="0"/>
+              <a:t>– for notification </a:t>
+            </a:r>
+            <a:endParaRPr lang="en-US" sz="1200" b="1" i="0" dirty="0">
+              <a:effectLst/>
+              <a:latin typeface="+mn-lt"/>
+            </a:endParaRPr>
           </a:p>
         </p:txBody>
       </p:sp>
@@ -22199,10 +22466,18 @@
             <a:spLocks noGrp="1"/>
           </p:cNvSpPr>
           <p:nvPr>
-            <p:ph type="sldNum" sz="quarter" idx="4"/>
+            <p:ph type="sldNum" sz="quarter" idx="4294967295"/>
           </p:nvPr>
         </p:nvSpPr>
-        <p:spPr/>
+        <p:spPr>
+          <a:xfrm>
+            <a:off x="7770813" y="4826000"/>
+            <a:ext cx="1373187" cy="317500"/>
+          </a:xfrm>
+          <a:prstGeom prst="rect">
+            <a:avLst/>
+          </a:prstGeom>
+        </p:spPr>
         <p:txBody>
           <a:bodyPr/>
           <a:lstStyle/>
@@ -22253,336 +22528,22 @@
             <a:spLocks noGrp="1"/>
           </p:cNvSpPr>
           <p:nvPr>
-            <p:ph type="title"/>
-          </p:nvPr>
-        </p:nvSpPr>
-        <p:spPr/>
-        <p:txBody>
-          <a:bodyPr/>
-          <a:lstStyle/>
-          <a:p>
-            <a:r>
-              <a:rPr lang="en-US" dirty="0"/>
-              <a:t>Task Description</a:t>
-            </a:r>
-          </a:p>
-        </p:txBody>
-      </p:sp>
-      <p:sp>
-        <p:nvSpPr>
-          <p:cNvPr id="3" name="Content Placeholder 2"/>
-          <p:cNvSpPr>
-            <a:spLocks noGrp="1"/>
-          </p:cNvSpPr>
-          <p:nvPr>
-            <p:ph sz="quarter" idx="10"/>
+            <p:ph type="title" idx="4294967295"/>
           </p:nvPr>
         </p:nvSpPr>
         <p:spPr>
           <a:xfrm>
-            <a:off x="292893" y="755156"/>
-            <a:ext cx="8429625" cy="3397250"/>
+            <a:off x="717550" y="228600"/>
+            <a:ext cx="8426450" cy="301625"/>
           </a:xfrm>
         </p:spPr>
         <p:txBody>
           <a:bodyPr/>
           <a:lstStyle/>
           <a:p>
-            <a:pPr algn="l"/>
-            <a:r>
-              <a:rPr lang="en-US" sz="1200" b="0" i="0" dirty="0">
-                <a:effectLst/>
-                <a:latin typeface="+mn-lt"/>
-              </a:rPr>
-              <a:t>Minimum:</a:t>
-            </a:r>
-            <a:br>
-              <a:rPr lang="en-US" sz="1200" b="0" i="0" dirty="0">
-                <a:effectLst/>
-                <a:latin typeface="+mn-lt"/>
-              </a:rPr>
-            </a:br>
-            <a:r>
-              <a:rPr lang="en-US" sz="1200" b="0" i="0" dirty="0">
-                <a:effectLst/>
-                <a:latin typeface="+mn-lt"/>
-              </a:rPr>
-              <a:t>- host with git (Linux, MacO5, Windows) [can be on a virtual machine]);</a:t>
-            </a:r>
-            <a:br>
-              <a:rPr lang="en-US" sz="1200" b="0" i="0" dirty="0">
-                <a:effectLst/>
-                <a:latin typeface="+mn-lt"/>
-              </a:rPr>
-            </a:br>
-            <a:r>
-              <a:rPr lang="en-US" sz="1200" b="0" i="0" dirty="0">
-                <a:effectLst/>
-                <a:latin typeface="+mn-lt"/>
-              </a:rPr>
-              <a:t>- as a semantic part, you can use an HTML page</a:t>
-            </a:r>
-            <a:br>
-              <a:rPr lang="en-US" sz="1200" b="0" i="0" dirty="0">
-                <a:effectLst/>
-                <a:latin typeface="+mn-lt"/>
-              </a:rPr>
-            </a:br>
-            <a:r>
-              <a:rPr lang="en-US" sz="1200" b="0" i="0" dirty="0">
-                <a:effectLst/>
-                <a:latin typeface="+mn-lt"/>
-              </a:rPr>
-              <a:t>with content of your choice.</a:t>
-            </a:r>
-            <a:br>
-              <a:rPr lang="en-US" sz="1200" b="0" i="0" dirty="0">
-                <a:effectLst/>
-                <a:latin typeface="+mn-lt"/>
-              </a:rPr>
-            </a:br>
-            <a:r>
-              <a:rPr lang="en-US" sz="1200" b="0" i="0" dirty="0">
-                <a:effectLst/>
-                <a:latin typeface="+mn-lt"/>
-              </a:rPr>
-              <a:t>- cloud repository (GitHub, GitLab, </a:t>
-            </a:r>
-            <a:r>
-              <a:rPr lang="en-US" sz="1200" b="0" i="0" dirty="0" err="1">
-                <a:effectLst/>
-                <a:latin typeface="+mn-lt"/>
-              </a:rPr>
-              <a:t>GitBucket</a:t>
-            </a:r>
-            <a:r>
-              <a:rPr lang="en-US" sz="1200" b="0" i="0" dirty="0">
-                <a:effectLst/>
-                <a:latin typeface="+mn-lt"/>
-              </a:rPr>
-              <a:t>), to where you will</a:t>
-            </a:r>
-            <a:br>
-              <a:rPr lang="en-US" sz="1200" b="0" i="0" dirty="0">
-                <a:effectLst/>
-                <a:latin typeface="+mn-lt"/>
-              </a:rPr>
-            </a:br>
-            <a:r>
-              <a:rPr lang="en-US" sz="1200" b="0" i="0" dirty="0">
-                <a:effectLst/>
-                <a:latin typeface="+mn-lt"/>
-              </a:rPr>
-              <a:t>make commits/pushes;</a:t>
-            </a:r>
-            <a:br>
-              <a:rPr lang="en-US" sz="1200" b="0" i="0" dirty="0">
-                <a:effectLst/>
-                <a:latin typeface="+mn-lt"/>
-              </a:rPr>
-            </a:br>
-            <a:r>
-              <a:rPr lang="en-US" sz="1200" b="0" i="0" dirty="0">
-                <a:effectLst/>
-                <a:latin typeface="+mn-lt"/>
-              </a:rPr>
-              <a:t>- CI / CD framework (Jenkins) it can be with a “white” IP (from the provider</a:t>
-            </a:r>
-            <a:br>
-              <a:rPr lang="en-US" sz="1200" b="0" i="0" dirty="0">
-                <a:effectLst/>
-                <a:latin typeface="+mn-lt"/>
-              </a:rPr>
-            </a:br>
-            <a:r>
-              <a:rPr lang="en-US" sz="1200" b="0" i="0" dirty="0">
-                <a:effectLst/>
-                <a:latin typeface="+mn-lt"/>
-              </a:rPr>
-              <a:t>or, better, in AWS) or “gray” (behind the home router, which also has a “gray” IP [NAT]). In the case of gray, you will not be able to use (without additional tools) GitHub Webhook, i.e. you will use other options from lectures. Thus the main purpose of </a:t>
-            </a:r>
-            <a:r>
-              <a:rPr lang="en-US" sz="1200" b="0" i="0" dirty="0" err="1">
-                <a:effectLst/>
-                <a:latin typeface="+mn-lt"/>
-              </a:rPr>
-              <a:t>jenkins</a:t>
-            </a:r>
-            <a:r>
-              <a:rPr lang="en-US" sz="1200" b="0" i="0" dirty="0">
-                <a:effectLst/>
-                <a:latin typeface="+mn-lt"/>
-              </a:rPr>
-              <a:t> is to pull out your updated project from a </a:t>
-            </a:r>
-            <a:r>
-              <a:rPr lang="en-US" sz="1200" b="0" i="0" dirty="0" err="1">
-                <a:effectLst/>
-                <a:latin typeface="+mn-lt"/>
-              </a:rPr>
-              <a:t>github</a:t>
-            </a:r>
-            <a:r>
-              <a:rPr lang="en-US" sz="1200" b="0" i="0" dirty="0">
-                <a:effectLst/>
-                <a:latin typeface="+mn-lt"/>
-              </a:rPr>
-              <a:t> repo and compile it (build), and then place it in the artifact repository (delivery) or deploy it to the target server (deploy);</a:t>
-            </a:r>
-            <a:br>
-              <a:rPr lang="en-US" sz="1200" b="0" i="0" dirty="0">
-                <a:effectLst/>
-                <a:latin typeface="+mn-lt"/>
-              </a:rPr>
-            </a:br>
-            <a:r>
-              <a:rPr lang="en-US" sz="1200" b="0" i="0" dirty="0">
-                <a:effectLst/>
-                <a:latin typeface="+mn-lt"/>
-              </a:rPr>
-              <a:t>- Configuration Management Tool (Ansible) - can be used to raise the machines and the initial configuration of the environment for your project;</a:t>
-            </a:r>
-            <a:br>
-              <a:rPr lang="en-US" sz="1200" b="0" i="0" dirty="0">
-                <a:effectLst/>
-                <a:latin typeface="+mn-lt"/>
-              </a:rPr>
-            </a:br>
-            <a:r>
-              <a:rPr lang="en-US" sz="1200" b="0" i="0" dirty="0">
-                <a:effectLst/>
-                <a:latin typeface="+mn-lt"/>
-              </a:rPr>
-              <a:t>- It is necessary for the </a:t>
-            </a:r>
-            <a:r>
-              <a:rPr lang="en-US" sz="1200" b="0" i="0" dirty="0" err="1">
-                <a:effectLst/>
-                <a:latin typeface="+mn-lt"/>
-              </a:rPr>
-              <a:t>jenkins</a:t>
-            </a:r>
-            <a:r>
-              <a:rPr lang="en-US" sz="1200" b="0" i="0" dirty="0">
-                <a:effectLst/>
-                <a:latin typeface="+mn-lt"/>
-              </a:rPr>
-              <a:t> master to redirect jobs to its nodes (slaves). In the case of a web page, this step can be omitted, so the page could be deployed directly to the target server.</a:t>
-            </a:r>
-            <a:br>
-              <a:rPr lang="en-US" sz="1200" b="0" i="0" dirty="0">
-                <a:effectLst/>
-                <a:latin typeface="+mn-lt"/>
-              </a:rPr>
-            </a:br>
-            <a:r>
-              <a:rPr lang="en-US" sz="1200" b="0" i="0" dirty="0">
-                <a:effectLst/>
-                <a:latin typeface="+mn-lt"/>
-              </a:rPr>
-              <a:t>- docker and containerization can be used in the following way - launch </a:t>
-            </a:r>
-            <a:r>
-              <a:rPr lang="en-US" sz="1200" b="0" i="0" dirty="0" err="1">
-                <a:effectLst/>
-                <a:latin typeface="+mn-lt"/>
-              </a:rPr>
-              <a:t>jenkins</a:t>
-            </a:r>
-            <a:r>
-              <a:rPr lang="en-US" sz="1200" b="0" i="0" dirty="0">
-                <a:effectLst/>
-                <a:latin typeface="+mn-lt"/>
-              </a:rPr>
-              <a:t> and its nodes in containers and the target server -- also in a Docker container.</a:t>
-            </a:r>
-          </a:p>
-          <a:p>
-            <a:pPr algn="l"/>
-            <a:r>
-              <a:rPr lang="en-US" sz="1200" b="0" i="0" dirty="0">
-                <a:effectLst/>
-                <a:latin typeface="+mn-lt"/>
-              </a:rPr>
-              <a:t>Whatever you do is good anyway. Especially for those who have just started learning DevOps engineering.</a:t>
-            </a:r>
-            <a:br>
-              <a:rPr lang="en-US" sz="1200" b="0" i="0" dirty="0">
-                <a:effectLst/>
-                <a:latin typeface="+mn-lt"/>
-              </a:rPr>
-            </a:br>
-            <a:r>
-              <a:rPr lang="en-US" sz="1200" b="0" i="0" dirty="0">
-                <a:effectLst/>
-                <a:latin typeface="+mn-lt"/>
-              </a:rPr>
-              <a:t>When demonstrating your project, make minimal changes to the project code, make a commit, push to update the cloud repository (GitHub, GitLab, </a:t>
-            </a:r>
-            <a:r>
-              <a:rPr lang="en-US" sz="1200" b="0" i="0" dirty="0" err="1">
-                <a:effectLst/>
-                <a:latin typeface="+mn-lt"/>
-              </a:rPr>
-              <a:t>GitBucket</a:t>
-            </a:r>
-            <a:r>
-              <a:rPr lang="en-US" sz="1200" b="0" i="0" dirty="0">
-                <a:effectLst/>
-                <a:latin typeface="+mn-lt"/>
-              </a:rPr>
-              <a:t>) and let Jenkins handle the changes. It is desirable that the new project build has a visual representation..</a:t>
-            </a:r>
-          </a:p>
-          <a:p>
-            <a:pPr algn="l"/>
-            <a:r>
-              <a:rPr lang="en-US" sz="1200" b="0" i="0" dirty="0">
-                <a:effectLst/>
-                <a:latin typeface="+mn-lt"/>
-              </a:rPr>
-              <a:t>By middle / maximum:</a:t>
-            </a:r>
-            <a:br>
-              <a:rPr lang="en-US" sz="1200" b="0" i="0" dirty="0">
-                <a:effectLst/>
-                <a:latin typeface="+mn-lt"/>
-              </a:rPr>
-            </a:br>
-            <a:r>
-              <a:rPr lang="en-US" sz="1200" b="0" i="0" dirty="0">
-                <a:effectLst/>
-                <a:latin typeface="+mn-lt"/>
-              </a:rPr>
-              <a:t>Middle+ level provides for the implementation of the task in accordance with the above, however, a GitHub prototype of a medium/large Java project (for example, </a:t>
-            </a:r>
-            <a:r>
-              <a:rPr lang="en-US" sz="1200" b="0" i="0" dirty="0" err="1">
-                <a:effectLst/>
-                <a:latin typeface="+mn-lt"/>
-              </a:rPr>
-              <a:t>PetClinic</a:t>
-            </a:r>
-            <a:r>
-              <a:rPr lang="en-US" sz="1200" b="0" i="0" dirty="0">
-                <a:effectLst/>
-                <a:latin typeface="+mn-lt"/>
-              </a:rPr>
-              <a:t>) using maven (apt, </a:t>
-            </a:r>
-            <a:r>
-              <a:rPr lang="en-US" sz="1200" b="0" i="0" dirty="0" err="1">
-                <a:effectLst/>
-                <a:latin typeface="+mn-lt"/>
-              </a:rPr>
-              <a:t>gradle</a:t>
-            </a:r>
-            <a:r>
-              <a:rPr lang="en-US" sz="1200" b="0" i="0" dirty="0">
-                <a:effectLst/>
-                <a:latin typeface="+mn-lt"/>
-              </a:rPr>
-              <a:t>), testing and deployment can be chosen as the basis. It is also possible to implement a Python project based on an existing GitHub repository.</a:t>
+            <a:r>
+              <a:rPr lang="en-US" dirty="0"/>
+              <a:t>Implementation</a:t>
             </a:r>
           </a:p>
         </p:txBody>
@@ -22600,10 +22561,18 @@
             <a:spLocks noGrp="1"/>
           </p:cNvSpPr>
           <p:nvPr>
-            <p:ph type="sldNum" sz="quarter" idx="4"/>
+            <p:ph type="sldNum" sz="quarter" idx="4294967295"/>
           </p:nvPr>
         </p:nvSpPr>
-        <p:spPr/>
+        <p:spPr>
+          <a:xfrm>
+            <a:off x="7770813" y="4826000"/>
+            <a:ext cx="1373187" cy="317500"/>
+          </a:xfrm>
+          <a:prstGeom prst="rect">
+            <a:avLst/>
+          </a:prstGeom>
+        </p:spPr>
         <p:txBody>
           <a:bodyPr/>
           <a:lstStyle/>
@@ -22617,10 +22586,239 @@
           </a:p>
         </p:txBody>
       </p:sp>
+      <p:sp>
+        <p:nvSpPr>
+          <p:cNvPr id="7" name="TextBox 6">
+            <a:extLst>
+              <a:ext uri="{FF2B5EF4-FFF2-40B4-BE49-F238E27FC236}">
+                <a16:creationId xmlns:a16="http://schemas.microsoft.com/office/drawing/2014/main" id="{5B37C7A6-D82E-0370-EBEA-B7EC4A693BDF}"/>
+              </a:ext>
+            </a:extLst>
+          </p:cNvPr>
+          <p:cNvSpPr txBox="1"/>
+          <p:nvPr/>
+        </p:nvSpPr>
+        <p:spPr>
+          <a:xfrm>
+            <a:off x="360364" y="901671"/>
+            <a:ext cx="8429624" cy="3416320"/>
+          </a:xfrm>
+          <a:prstGeom prst="rect">
+            <a:avLst/>
+          </a:prstGeom>
+          <a:noFill/>
+        </p:spPr>
+        <p:txBody>
+          <a:bodyPr wrap="square" rtlCol="0">
+            <a:spAutoFit/>
+          </a:bodyPr>
+          <a:lstStyle/>
+          <a:p>
+            <a:r>
+              <a:rPr lang="en-US" sz="1200" dirty="0"/>
+              <a:t>The project shows the CI/CD process of application continuous integration and deployment based on DevOps methodology and tools.</a:t>
+            </a:r>
+          </a:p>
+          <a:p>
+            <a:endParaRPr lang="en-US" sz="1200" dirty="0"/>
+          </a:p>
+          <a:p>
+            <a:r>
+              <a:rPr lang="en-US" sz="1200" dirty="0"/>
+              <a:t>The process core is based on Jenkins – the central events handler. </a:t>
+            </a:r>
+          </a:p>
+          <a:p>
+            <a:r>
+              <a:rPr lang="en-US" sz="1200" dirty="0"/>
+              <a:t>When a GitHub event occurs Jenkins runs a specific job following the triggers and dependencies.</a:t>
+            </a:r>
+          </a:p>
+          <a:p>
+            <a:r>
+              <a:rPr lang="en-US" sz="1200" dirty="0"/>
+              <a:t>There are 4 jobs run on the project:</a:t>
+            </a:r>
+          </a:p>
+          <a:p>
+            <a:endParaRPr lang="en-US" sz="1200" dirty="0"/>
+          </a:p>
+          <a:p>
+            <a:pPr marL="171450" indent="-171450">
+              <a:buFont typeface="Arial" panose="020B0604020202020204" pitchFamily="34" charset="0"/>
+              <a:buChar char="•"/>
+            </a:pPr>
+            <a:r>
+              <a:rPr lang="ru-RU" sz="1200" b="1" dirty="0"/>
+              <a:t>_</a:t>
+            </a:r>
+            <a:r>
+              <a:rPr lang="en-US" sz="1200" b="1" dirty="0" err="1"/>
+              <a:t>CI_multibranch</a:t>
+            </a:r>
+            <a:r>
+              <a:rPr lang="en-US" sz="1200" b="1" dirty="0"/>
+              <a:t> </a:t>
+            </a:r>
+            <a:r>
+              <a:rPr lang="en-US" sz="1200" dirty="0"/>
+              <a:t>– triggered by Webhook from GitHub repo EPAM2022 with 2 branches (Main and Dev) if there are changes pull and run the job described in </a:t>
+            </a:r>
+            <a:r>
+              <a:rPr lang="en-US" sz="1200" dirty="0" err="1"/>
+              <a:t>Jenkinsfile</a:t>
+            </a:r>
+            <a:r>
+              <a:rPr lang="en-US" sz="1200" dirty="0"/>
+              <a:t>: run the agent -&gt; install docker -&gt; build a new artifact based on </a:t>
+            </a:r>
+            <a:r>
+              <a:rPr lang="en-US" sz="1200" dirty="0" err="1"/>
+              <a:t>Dockerfile</a:t>
+            </a:r>
+            <a:r>
+              <a:rPr lang="en-US" sz="1200" dirty="0"/>
+              <a:t> -&gt; pull into </a:t>
+            </a:r>
+            <a:r>
+              <a:rPr lang="en-US" sz="1200" dirty="0" err="1"/>
+              <a:t>DockerHub</a:t>
+            </a:r>
+            <a:endParaRPr lang="en-US" sz="1200" dirty="0"/>
+          </a:p>
+          <a:p>
+            <a:pPr marL="171450" indent="-171450">
+              <a:buFont typeface="Arial" panose="020B0604020202020204" pitchFamily="34" charset="0"/>
+              <a:buChar char="•"/>
+            </a:pPr>
+            <a:endParaRPr lang="en-US" sz="1200" dirty="0"/>
+          </a:p>
+          <a:p>
+            <a:pPr marL="171450" indent="-171450">
+              <a:buFont typeface="Arial" panose="020B0604020202020204" pitchFamily="34" charset="0"/>
+              <a:buChar char="•"/>
+            </a:pPr>
+            <a:r>
+              <a:rPr lang="en-US" sz="1200" b="1" dirty="0"/>
+              <a:t>_</a:t>
+            </a:r>
+            <a:r>
+              <a:rPr lang="en-US" sz="1200" b="1" dirty="0" err="1"/>
+              <a:t>EPAM_ProdEnv_param</a:t>
+            </a:r>
+            <a:r>
+              <a:rPr lang="en-US" sz="1200" b="1" dirty="0"/>
+              <a:t> </a:t>
+            </a:r>
+            <a:r>
+              <a:rPr lang="en-US" sz="1200" dirty="0"/>
+              <a:t>– a manual job that builds Production Environment on AWS by using Terraform and Ansible (SG, ASG, ALB, etc.)</a:t>
+            </a:r>
+          </a:p>
+          <a:p>
+            <a:pPr marL="171450" indent="-171450">
+              <a:buFont typeface="Arial" panose="020B0604020202020204" pitchFamily="34" charset="0"/>
+              <a:buChar char="•"/>
+            </a:pPr>
+            <a:endParaRPr lang="en-US" sz="1200" dirty="0"/>
+          </a:p>
+          <a:p>
+            <a:pPr marL="171450" indent="-171450">
+              <a:buFont typeface="Arial" panose="020B0604020202020204" pitchFamily="34" charset="0"/>
+              <a:buChar char="•"/>
+            </a:pPr>
+            <a:r>
+              <a:rPr lang="en-US" sz="1200" b="1" dirty="0"/>
+              <a:t>_</a:t>
+            </a:r>
+            <a:r>
+              <a:rPr lang="en-US" sz="1200" b="1" dirty="0" err="1"/>
+              <a:t>Update_DockerDev</a:t>
+            </a:r>
+            <a:r>
+              <a:rPr lang="en-US" sz="1200" b="1" dirty="0"/>
+              <a:t> </a:t>
+            </a:r>
+            <a:r>
+              <a:rPr lang="en-US" sz="1200" dirty="0"/>
+              <a:t>– the job triggered by success finish </a:t>
+            </a:r>
+            <a:r>
+              <a:rPr lang="ru-RU" sz="1200" b="1" dirty="0"/>
+              <a:t>_</a:t>
+            </a:r>
+            <a:r>
+              <a:rPr lang="en-US" sz="1200" b="1" dirty="0" err="1"/>
+              <a:t>CI_multibranch</a:t>
+            </a:r>
+            <a:r>
+              <a:rPr lang="en-US" sz="1200" b="1" dirty="0"/>
+              <a:t>/Dev </a:t>
+            </a:r>
+            <a:r>
+              <a:rPr lang="en-US" sz="1200" dirty="0"/>
+              <a:t>job</a:t>
+            </a:r>
+            <a:r>
+              <a:rPr lang="en-US" sz="1200" b="1" dirty="0"/>
+              <a:t> </a:t>
+            </a:r>
+            <a:r>
+              <a:rPr lang="en-US" sz="1200" dirty="0"/>
+              <a:t>and updates the Development Environment by the latest version of the artifact.</a:t>
+            </a:r>
+          </a:p>
+          <a:p>
+            <a:pPr marL="171450" indent="-171450">
+              <a:buFont typeface="Arial" panose="020B0604020202020204" pitchFamily="34" charset="0"/>
+              <a:buChar char="•"/>
+            </a:pPr>
+            <a:endParaRPr lang="en-US" sz="1200" dirty="0"/>
+          </a:p>
+          <a:p>
+            <a:pPr marL="171450" indent="-171450">
+              <a:buFont typeface="Arial" panose="020B0604020202020204" pitchFamily="34" charset="0"/>
+              <a:buChar char="•"/>
+            </a:pPr>
+            <a:r>
+              <a:rPr lang="en-US" sz="1200" b="1" dirty="0"/>
+              <a:t>_</a:t>
+            </a:r>
+            <a:r>
+              <a:rPr lang="en-US" sz="1200" b="1" dirty="0" err="1"/>
+              <a:t>Update_DockerProd</a:t>
+            </a:r>
+            <a:r>
+              <a:rPr lang="en-US" sz="1200" b="1" dirty="0"/>
+              <a:t> </a:t>
+            </a:r>
+            <a:r>
+              <a:rPr lang="en-US" sz="1200" dirty="0"/>
+              <a:t>- the manual job that updates the Production Environment with the latest version of the artifact (can be also automated by a trigger from </a:t>
+            </a:r>
+            <a:r>
+              <a:rPr lang="ru-RU" sz="1200" b="1" dirty="0"/>
+              <a:t>_</a:t>
+            </a:r>
+            <a:r>
+              <a:rPr lang="en-US" sz="1200" b="1" dirty="0" err="1"/>
+              <a:t>CI_multibranch</a:t>
+            </a:r>
+            <a:r>
+              <a:rPr lang="en-US" sz="1200" b="1" dirty="0"/>
+              <a:t>/Main job</a:t>
+            </a:r>
+            <a:r>
+              <a:rPr lang="en-US" sz="1200" dirty="0"/>
+              <a:t>) </a:t>
+            </a:r>
+          </a:p>
+        </p:txBody>
+      </p:sp>
     </p:spTree>
     <p:extLst>
       <p:ext uri="{BB962C8B-B14F-4D97-AF65-F5344CB8AC3E}">
-        <p14:creationId xmlns:p14="http://schemas.microsoft.com/office/powerpoint/2010/main" val="3425029245"/>
+        <p14:creationId xmlns:p14="http://schemas.microsoft.com/office/powerpoint/2010/main" val="3499015099"/>
       </p:ext>
     </p:extLst>
   </p:cSld>
@@ -22654,68 +22852,23 @@
             <a:spLocks noGrp="1"/>
           </p:cNvSpPr>
           <p:nvPr>
-            <p:ph type="title"/>
-          </p:nvPr>
-        </p:nvSpPr>
-        <p:spPr/>
-        <p:txBody>
-          <a:bodyPr/>
-          <a:lstStyle/>
-          <a:p>
-            <a:r>
-              <a:rPr lang="en-US" dirty="0"/>
-              <a:t>Design</a:t>
-            </a:r>
-          </a:p>
-        </p:txBody>
-      </p:sp>
-      <p:sp>
-        <p:nvSpPr>
-          <p:cNvPr id="3" name="Content Placeholder 2"/>
-          <p:cNvSpPr>
-            <a:spLocks noGrp="1"/>
-          </p:cNvSpPr>
-          <p:nvPr>
-            <p:ph sz="quarter" idx="10"/>
+            <p:ph type="title" idx="4294967295"/>
           </p:nvPr>
         </p:nvSpPr>
         <p:spPr>
           <a:xfrm>
-            <a:off x="307181" y="873125"/>
-            <a:ext cx="8429625" cy="3397250"/>
+            <a:off x="717550" y="228600"/>
+            <a:ext cx="8426450" cy="301625"/>
           </a:xfrm>
         </p:spPr>
         <p:txBody>
           <a:bodyPr/>
           <a:lstStyle/>
           <a:p>
-            <a:pPr algn="l"/>
-            <a:r>
-              <a:rPr lang="en-US" sz="1200" b="0" i="0" dirty="0">
-                <a:effectLst/>
-                <a:latin typeface="+mn-lt"/>
-              </a:rPr>
-              <a:t>SCEMA</a:t>
-            </a:r>
-          </a:p>
-          <a:p>
-            <a:pPr algn="l"/>
-            <a:r>
-              <a:rPr lang="en-US" sz="1200" dirty="0">
-                <a:latin typeface="+mn-lt"/>
-              </a:rPr>
-              <a:t>Why were selected specific tools</a:t>
-            </a:r>
-            <a:endParaRPr lang="en-US" sz="1200" b="0" i="0" dirty="0">
-              <a:effectLst/>
-              <a:latin typeface="+mn-lt"/>
-            </a:endParaRPr>
-          </a:p>
-          <a:p>
-            <a:pPr algn="l"/>
-            <a:endParaRPr lang="en-US" sz="1200" dirty="0">
-              <a:latin typeface="+mn-lt"/>
-            </a:endParaRPr>
+            <a:r>
+              <a:rPr lang="en-US" dirty="0"/>
+              <a:t>Design</a:t>
+            </a:r>
           </a:p>
         </p:txBody>
       </p:sp>
@@ -22732,10 +22885,18 @@
             <a:spLocks noGrp="1"/>
           </p:cNvSpPr>
           <p:nvPr>
-            <p:ph type="sldNum" sz="quarter" idx="4"/>
+            <p:ph type="sldNum" sz="quarter" idx="4294967295"/>
           </p:nvPr>
         </p:nvSpPr>
-        <p:spPr/>
+        <p:spPr>
+          <a:xfrm>
+            <a:off x="7770813" y="4826000"/>
+            <a:ext cx="1373187" cy="317500"/>
+          </a:xfrm>
+          <a:prstGeom prst="rect">
+            <a:avLst/>
+          </a:prstGeom>
+        </p:spPr>
         <p:txBody>
           <a:bodyPr/>
           <a:lstStyle/>
@@ -22751,10 +22912,10 @@
       </p:sp>
       <p:pic>
         <p:nvPicPr>
-          <p:cNvPr id="6" name="Picture 5">
+          <p:cNvPr id="5" name="Picture 4">
             <a:extLst>
               <a:ext uri="{FF2B5EF4-FFF2-40B4-BE49-F238E27FC236}">
-                <a16:creationId xmlns:a16="http://schemas.microsoft.com/office/drawing/2014/main" id="{F1CF93CA-BB81-9D71-B962-DF2C92BB9329}"/>
+                <a16:creationId xmlns:a16="http://schemas.microsoft.com/office/drawing/2014/main" id="{851D51A6-64C3-D6A9-0FC0-1509B98844CB}"/>
               </a:ext>
             </a:extLst>
           </p:cNvPr>
@@ -22764,15 +22925,21 @@
           <p:nvPr/>
         </p:nvPicPr>
         <p:blipFill>
-          <a:blip r:embed="rId2"/>
+          <a:blip r:embed="rId2">
+            <a:extLst>
+              <a:ext uri="{28A0092B-C50C-407E-A947-70E740481C1C}">
+                <a14:useLocalDpi xmlns:a14="http://schemas.microsoft.com/office/drawing/2010/main" val="0"/>
+              </a:ext>
+            </a:extLst>
+          </a:blip>
           <a:stretch>
             <a:fillRect/>
           </a:stretch>
         </p:blipFill>
         <p:spPr>
           <a:xfrm>
-            <a:off x="2528887" y="135731"/>
-            <a:ext cx="6481936" cy="4563336"/>
+            <a:off x="2700338" y="240236"/>
+            <a:ext cx="5411787" cy="4674664"/>
           </a:xfrm>
           <a:prstGeom prst="rect">
             <a:avLst/>
@@ -22816,17 +22983,22 @@
             <a:spLocks noGrp="1"/>
           </p:cNvSpPr>
           <p:nvPr>
-            <p:ph type="title"/>
+            <p:ph type="title" idx="4294967295"/>
           </p:nvPr>
         </p:nvSpPr>
-        <p:spPr/>
+        <p:spPr>
+          <a:xfrm>
+            <a:off x="717550" y="228600"/>
+            <a:ext cx="8426450" cy="301625"/>
+          </a:xfrm>
+        </p:spPr>
         <p:txBody>
           <a:bodyPr/>
           <a:lstStyle/>
           <a:p>
             <a:r>
               <a:rPr lang="en-US" dirty="0"/>
-              <a:t>Implementation</a:t>
+              <a:t>DEMO / Conclusions </a:t>
             </a:r>
           </a:p>
         </p:txBody>
@@ -22838,241 +23010,320 @@
             <a:spLocks noGrp="1"/>
           </p:cNvSpPr>
           <p:nvPr>
-            <p:ph sz="quarter" idx="10"/>
+            <p:ph sz="quarter" idx="4294967295"/>
           </p:nvPr>
         </p:nvSpPr>
         <p:spPr>
           <a:xfrm>
-            <a:off x="357187" y="1255218"/>
-            <a:ext cx="8429625" cy="3397250"/>
+            <a:off x="827088" y="850106"/>
+            <a:ext cx="6943725" cy="3795713"/>
           </a:xfrm>
+          <a:prstGeom prst="rect">
+            <a:avLst/>
+          </a:prstGeom>
         </p:spPr>
         <p:txBody>
           <a:bodyPr/>
           <a:lstStyle/>
           <a:p>
-            <a:pPr algn="l"/>
+            <a:endParaRPr lang="en-US" sz="1200" b="0" i="0" dirty="0">
+              <a:effectLst/>
+              <a:latin typeface="+mn-lt"/>
+            </a:endParaRPr>
+          </a:p>
+          <a:p>
+            <a:r>
+              <a:rPr lang="en-US" sz="1200" u="sng" dirty="0">
+                <a:latin typeface="+mn-lt"/>
+              </a:rPr>
+              <a:t>What is done:</a:t>
+            </a:r>
+          </a:p>
+          <a:p>
+            <a:pPr marL="171450" indent="-171450">
+              <a:buFont typeface="Arial" panose="020B0604020202020204" pitchFamily="34" charset="0"/>
+              <a:buChar char="•"/>
+            </a:pPr>
+            <a:r>
+              <a:rPr lang="en-US" sz="1200" b="0" dirty="0">
+                <a:solidFill>
+                  <a:schemeClr val="tx1"/>
+                </a:solidFill>
+              </a:rPr>
+              <a:t>Creation of AWS infrastructure using Jenkins, Terraform and Ansible</a:t>
+            </a:r>
+          </a:p>
+          <a:p>
+            <a:pPr marL="171450" indent="-171450">
+              <a:buFont typeface="Arial" panose="020B0604020202020204" pitchFamily="34" charset="0"/>
+              <a:buChar char="•"/>
+            </a:pPr>
             <a:r>
               <a:rPr lang="en-US" sz="1200" b="0" i="0" dirty="0">
+                <a:solidFill>
+                  <a:schemeClr val="tx1"/>
+                </a:solidFill>
                 <a:effectLst/>
                 <a:latin typeface="+mn-lt"/>
               </a:rPr>
-              <a:t>Some stages </a:t>
-            </a:r>
+              <a:t>Continuous Integration</a:t>
+            </a:r>
+            <a:r>
+              <a:rPr lang="en-US" sz="1200" b="0" dirty="0">
+                <a:solidFill>
+                  <a:schemeClr val="tx1"/>
+                </a:solidFill>
+              </a:rPr>
+              <a:t> job from </a:t>
+            </a:r>
+            <a:r>
+              <a:rPr lang="en-US" sz="1200" b="0" dirty="0" err="1">
+                <a:solidFill>
+                  <a:schemeClr val="tx1"/>
+                </a:solidFill>
+              </a:rPr>
+              <a:t>Github</a:t>
+            </a:r>
+            <a:r>
+              <a:rPr lang="en-US" sz="1200" b="0" dirty="0">
+                <a:solidFill>
+                  <a:schemeClr val="tx1"/>
+                </a:solidFill>
+              </a:rPr>
+              <a:t> push to upload artifact on </a:t>
+            </a:r>
+            <a:r>
+              <a:rPr lang="en-US" sz="1200" b="0" dirty="0" err="1">
+                <a:solidFill>
+                  <a:schemeClr val="tx1"/>
+                </a:solidFill>
+              </a:rPr>
+              <a:t>Dockerhub</a:t>
+            </a:r>
+            <a:endParaRPr lang="en-US" sz="1200" b="0" dirty="0">
+              <a:solidFill>
+                <a:schemeClr val="tx1"/>
+              </a:solidFill>
+            </a:endParaRPr>
           </a:p>
           <a:p>
-            <a:pPr algn="l"/>
-            <a:r>
-              <a:rPr lang="en-US" sz="1200" dirty="0">
+            <a:pPr marL="171450" indent="-171450">
+              <a:buFont typeface="Arial" panose="020B0604020202020204" pitchFamily="34" charset="0"/>
+              <a:buChar char="•"/>
+            </a:pPr>
+            <a:r>
+              <a:rPr lang="en-US" sz="1200" b="0" i="0" dirty="0">
+                <a:solidFill>
+                  <a:schemeClr val="tx1"/>
+                </a:solidFill>
+                <a:effectLst/>
                 <a:latin typeface="+mn-lt"/>
               </a:rPr>
-              <a:t>Started from …. </a:t>
-            </a:r>
-            <a:r>
-              <a:rPr lang="ru-RU" sz="1200" dirty="0">
+              <a:t>Auto-update Dev Env job if new build comes on </a:t>
+            </a:r>
+            <a:r>
+              <a:rPr lang="en-US" sz="1200" b="0" i="0" dirty="0" err="1">
+                <a:solidFill>
+                  <a:schemeClr val="tx1"/>
+                </a:solidFill>
+                <a:effectLst/>
                 <a:latin typeface="+mn-lt"/>
               </a:rPr>
-              <a:t>Усложнение добавление</a:t>
-            </a:r>
+              <a:t>Dockerhub</a:t>
+            </a:r>
+            <a:endParaRPr lang="ru-RU" sz="1200" b="0" i="0" dirty="0">
+              <a:solidFill>
+                <a:schemeClr val="tx1"/>
+              </a:solidFill>
+              <a:effectLst/>
+              <a:latin typeface="+mn-lt"/>
+            </a:endParaRPr>
+          </a:p>
+          <a:p>
+            <a:pPr marL="171450" indent="-171450">
+              <a:buFont typeface="Arial" panose="020B0604020202020204" pitchFamily="34" charset="0"/>
+              <a:buChar char="•"/>
+            </a:pPr>
+            <a:r>
+              <a:rPr lang="en-US" sz="1200" b="0" dirty="0">
+                <a:solidFill>
+                  <a:schemeClr val="tx1"/>
+                </a:solidFill>
+              </a:rPr>
+              <a:t>Manual </a:t>
+            </a:r>
+            <a:r>
+              <a:rPr lang="en-US" sz="1200" b="0" i="0" dirty="0">
+                <a:solidFill>
+                  <a:schemeClr val="tx1"/>
+                </a:solidFill>
+                <a:effectLst/>
+                <a:latin typeface="+mn-lt"/>
+              </a:rPr>
+              <a:t>update Prod Env job with Ansible Dynamic inventory with new build comes on </a:t>
+            </a:r>
+            <a:r>
+              <a:rPr lang="en-US" sz="1200" b="0" i="0" dirty="0" err="1">
+                <a:solidFill>
+                  <a:schemeClr val="tx1"/>
+                </a:solidFill>
+                <a:effectLst/>
+                <a:latin typeface="+mn-lt"/>
+              </a:rPr>
+              <a:t>Dockerhub</a:t>
+            </a:r>
+            <a:endParaRPr lang="ru-RU" sz="1200" b="0" i="0" dirty="0">
+              <a:solidFill>
+                <a:schemeClr val="tx1"/>
+              </a:solidFill>
+              <a:effectLst/>
+              <a:latin typeface="+mn-lt"/>
+            </a:endParaRPr>
+          </a:p>
+          <a:p>
+            <a:pPr marL="171450" indent="-171450">
+              <a:buFont typeface="Arial" panose="020B0604020202020204" pitchFamily="34" charset="0"/>
+              <a:buChar char="•"/>
+            </a:pPr>
+            <a:endParaRPr lang="en-US" sz="1200" b="0" i="0" dirty="0">
+              <a:effectLst/>
+              <a:latin typeface="+mn-lt"/>
+            </a:endParaRPr>
+          </a:p>
+          <a:p>
+            <a:r>
+              <a:rPr lang="en-US" sz="1200" u="sng" dirty="0">
+                <a:effectLst/>
+                <a:latin typeface="+mn-lt"/>
+              </a:rPr>
+              <a:t>What can be improved:</a:t>
+            </a:r>
+          </a:p>
+          <a:p>
+            <a:pPr marL="171450" indent="-171450">
+              <a:buFont typeface="Arial" panose="020B0604020202020204" pitchFamily="34" charset="0"/>
+              <a:buChar char="•"/>
+            </a:pPr>
+            <a:r>
+              <a:rPr lang="en-US" sz="1200" b="0" dirty="0">
+                <a:solidFill>
+                  <a:schemeClr val="tx1"/>
+                </a:solidFill>
+                <a:latin typeface="+mn-lt"/>
+              </a:rPr>
+              <a:t>Create additional VPC instead of Default</a:t>
+            </a:r>
+          </a:p>
+          <a:p>
+            <a:pPr marL="171450" indent="-171450">
+              <a:buFont typeface="Arial" panose="020B0604020202020204" pitchFamily="34" charset="0"/>
+              <a:buChar char="•"/>
+            </a:pPr>
+            <a:r>
+              <a:rPr lang="en-US" sz="1200" b="0" dirty="0">
+                <a:solidFill>
+                  <a:schemeClr val="tx1"/>
+                </a:solidFill>
+                <a:latin typeface="+mn-lt"/>
+              </a:rPr>
+              <a:t>Add more complex project (</a:t>
+            </a:r>
+            <a:r>
+              <a:rPr lang="en-US" sz="1200" b="0" dirty="0" err="1">
+                <a:solidFill>
+                  <a:schemeClr val="tx1"/>
+                </a:solidFill>
+                <a:latin typeface="+mn-lt"/>
+              </a:rPr>
+              <a:t>DataBase</a:t>
+            </a:r>
+            <a:r>
+              <a:rPr lang="en-US" sz="1200" b="0" dirty="0">
+                <a:solidFill>
+                  <a:schemeClr val="tx1"/>
+                </a:solidFill>
+                <a:latin typeface="+mn-lt"/>
+              </a:rPr>
+              <a:t>, Java with Maven </a:t>
+            </a:r>
+            <a:r>
+              <a:rPr lang="en-US" sz="1200" b="0" dirty="0" err="1">
+                <a:solidFill>
+                  <a:schemeClr val="tx1"/>
+                </a:solidFill>
+                <a:latin typeface="+mn-lt"/>
+              </a:rPr>
+              <a:t>etc</a:t>
+            </a:r>
+            <a:r>
+              <a:rPr lang="en-US" sz="1200" b="0" dirty="0">
+                <a:solidFill>
+                  <a:schemeClr val="tx1"/>
+                </a:solidFill>
+                <a:latin typeface="+mn-lt"/>
+              </a:rPr>
+              <a:t>)</a:t>
+            </a:r>
+            <a:endParaRPr lang="en-US" sz="1200" b="0" i="0" dirty="0">
+              <a:solidFill>
+                <a:schemeClr val="tx1"/>
+              </a:solidFill>
+              <a:effectLst/>
+              <a:latin typeface="+mn-lt"/>
+            </a:endParaRPr>
+          </a:p>
+          <a:p>
+            <a:pPr marL="171450" indent="-171450">
+              <a:buFont typeface="Arial" panose="020B0604020202020204" pitchFamily="34" charset="0"/>
+              <a:buChar char="•"/>
+            </a:pPr>
+            <a:r>
+              <a:rPr lang="en-US" sz="1200" b="0" dirty="0">
+                <a:solidFill>
+                  <a:schemeClr val="tx1"/>
+                </a:solidFill>
+                <a:latin typeface="+mn-lt"/>
+              </a:rPr>
+              <a:t>Monitoring </a:t>
+            </a:r>
+          </a:p>
+          <a:p>
+            <a:pPr marL="171450" indent="-171450">
+              <a:buFont typeface="Arial" panose="020B0604020202020204" pitchFamily="34" charset="0"/>
+              <a:buChar char="•"/>
+            </a:pPr>
+            <a:endParaRPr lang="en-US" sz="1200" b="0" dirty="0">
+              <a:latin typeface="+mn-lt"/>
+            </a:endParaRPr>
+          </a:p>
+          <a:p>
+            <a:endParaRPr lang="en-US" sz="1200" u="sng" dirty="0">
+              <a:effectLst/>
+              <a:latin typeface="+mn-lt"/>
+            </a:endParaRPr>
+          </a:p>
+          <a:p>
+            <a:endParaRPr lang="en-US" sz="1200" b="0" i="0" dirty="0">
+              <a:effectLst/>
+              <a:latin typeface="+mn-lt"/>
+            </a:endParaRPr>
+          </a:p>
+          <a:p>
+            <a:endParaRPr lang="en-US" sz="1200" b="0" dirty="0"/>
+          </a:p>
+          <a:p>
             <a:endParaRPr lang="en-US" sz="1200" dirty="0">
               <a:latin typeface="+mn-lt"/>
             </a:endParaRPr>
           </a:p>
           <a:p>
-            <a:pPr algn="l"/>
-            <a:endParaRPr lang="en-US" sz="1200" dirty="0">
+            <a:pPr marL="0" indent="0">
+              <a:buNone/>
+            </a:pPr>
+            <a:endParaRPr lang="en-US" sz="1200" b="0" i="0" dirty="0">
+              <a:effectLst/>
               <a:latin typeface="+mn-lt"/>
             </a:endParaRPr>
-          </a:p>
-          <a:p>
-            <a:pPr algn="l"/>
-            <a:br>
-              <a:rPr lang="en-US" sz="1200" b="0" i="0" dirty="0">
-                <a:effectLst/>
-                <a:latin typeface="+mn-lt"/>
-              </a:rPr>
-            </a:br>
-            <a:r>
-              <a:rPr lang="en-US" sz="1200" b="0" i="0" dirty="0">
-                <a:effectLst/>
-                <a:latin typeface="+mn-lt"/>
-              </a:rPr>
-              <a:t>5. Tasks - breaking down your general task into smaller parts (which are easier to solve).</a:t>
-            </a:r>
-            <a:br>
-              <a:rPr lang="en-US" sz="1200" b="0" i="0" dirty="0">
-                <a:effectLst/>
-                <a:latin typeface="+mn-lt"/>
-              </a:rPr>
-            </a:br>
-            <a:r>
-              <a:rPr lang="en-US" sz="1200" b="0" i="0" dirty="0">
-                <a:effectLst/>
-                <a:latin typeface="+mn-lt"/>
-              </a:rPr>
-              <a:t>6. Design (justification why) (Selection of the technology stack that will be used in the implementation of the project)</a:t>
-            </a:r>
-            <a:br>
-              <a:rPr lang="en-US" sz="1200" b="0" i="0" dirty="0">
-                <a:effectLst/>
-                <a:latin typeface="+mn-lt"/>
-              </a:rPr>
-            </a:br>
-            <a:r>
-              <a:rPr lang="en-US" sz="1200" b="0" i="0" dirty="0">
-                <a:effectLst/>
-                <a:latin typeface="+mn-lt"/>
-              </a:rPr>
-              <a:t>7. Implementation (if there is testing - excellent) (Project implementation sequence, challenges, achievements, main results)</a:t>
-            </a:r>
-            <a:br>
-              <a:rPr lang="en-US" sz="1200" b="0" i="0" dirty="0">
-                <a:effectLst/>
-                <a:latin typeface="+mn-lt"/>
-              </a:rPr>
-            </a:br>
-            <a:r>
-              <a:rPr lang="en-US" sz="1200" b="0" i="0" dirty="0">
-                <a:effectLst/>
-                <a:latin typeface="+mn-lt"/>
-              </a:rPr>
-              <a:t>8. Demonstration (show how your project works in real life)</a:t>
-            </a:r>
-            <a:br>
-              <a:rPr lang="en-US" sz="1200" b="0" i="0" dirty="0">
-                <a:effectLst/>
-                <a:latin typeface="+mn-lt"/>
-              </a:rPr>
-            </a:br>
-            <a:r>
-              <a:rPr lang="en-US" sz="1200" b="0" i="0" dirty="0">
-                <a:effectLst/>
-                <a:latin typeface="+mn-lt"/>
-              </a:rPr>
-              <a:t>9. Conclusions (What is done, what I would like to improve and ways to improve)</a:t>
-            </a:r>
-          </a:p>
-          <a:p>
-            <a:pPr algn="l"/>
-            <a:r>
-              <a:rPr lang="en-US" sz="1200" b="0" i="0" dirty="0">
-                <a:effectLst/>
-                <a:latin typeface="+mn-lt"/>
-              </a:rPr>
-              <a:t>10. To the question of the minimum / maximum functionality of the project (final task).</a:t>
-            </a:r>
-          </a:p>
-        </p:txBody>
-      </p:sp>
-      <p:sp>
-        <p:nvSpPr>
-          <p:cNvPr id="4" name="Slide Number Placeholder 3">
-            <a:extLst>
-              <a:ext uri="{FF2B5EF4-FFF2-40B4-BE49-F238E27FC236}">
-                <a16:creationId xmlns:a16="http://schemas.microsoft.com/office/drawing/2014/main" id="{706F2CBD-7975-49B2-810C-75BFA6E26F22}"/>
-              </a:ext>
-            </a:extLst>
-          </p:cNvPr>
-          <p:cNvSpPr>
-            <a:spLocks noGrp="1"/>
-          </p:cNvSpPr>
-          <p:nvPr>
-            <p:ph type="sldNum" sz="quarter" idx="4"/>
-          </p:nvPr>
-        </p:nvSpPr>
-        <p:spPr/>
-        <p:txBody>
-          <a:bodyPr/>
-          <a:lstStyle/>
-          <a:p>
-            <a:fld id="{3A707DD9-E92B-45E8-BE0A-E6B2EDF345EB}" type="slidenum">
-              <a:rPr lang="en-US" smtClean="0"/>
-              <a:pPr/>
-              <a:t>5</a:t>
-            </a:fld>
-            <a:endParaRPr lang="en-US" dirty="0"/>
-          </a:p>
-        </p:txBody>
-      </p:sp>
-    </p:spTree>
-    <p:extLst>
-      <p:ext uri="{BB962C8B-B14F-4D97-AF65-F5344CB8AC3E}">
-        <p14:creationId xmlns:p14="http://schemas.microsoft.com/office/powerpoint/2010/main" val="3499015099"/>
-      </p:ext>
-    </p:extLst>
-  </p:cSld>
-  <p:clrMapOvr>
-    <a:masterClrMapping/>
-  </p:clrMapOvr>
-</p:sld>
-</file>
-
-<file path=ppt/slides/slide6.xml><?xml version="1.0" encoding="utf-8"?>
-<p:sld xmlns:a="http://schemas.openxmlformats.org/drawingml/2006/main" xmlns:r="http://schemas.openxmlformats.org/officeDocument/2006/relationships" xmlns:p="http://schemas.openxmlformats.org/presentationml/2006/main">
-  <p:cSld>
-    <p:spTree>
-      <p:nvGrpSpPr>
-        <p:cNvPr id="1" name=""/>
-        <p:cNvGrpSpPr/>
-        <p:nvPr/>
-      </p:nvGrpSpPr>
-      <p:grpSpPr>
-        <a:xfrm>
-          <a:off x="0" y="0"/>
-          <a:ext cx="0" cy="0"/>
-          <a:chOff x="0" y="0"/>
-          <a:chExt cx="0" cy="0"/>
-        </a:xfrm>
-      </p:grpSpPr>
-      <p:sp>
-        <p:nvSpPr>
-          <p:cNvPr id="2" name="Title 1"/>
-          <p:cNvSpPr>
-            <a:spLocks noGrp="1"/>
-          </p:cNvSpPr>
-          <p:nvPr>
-            <p:ph type="title"/>
-          </p:nvPr>
-        </p:nvSpPr>
-        <p:spPr/>
-        <p:txBody>
-          <a:bodyPr/>
-          <a:lstStyle/>
-          <a:p>
-            <a:r>
-              <a:rPr lang="en-US" dirty="0"/>
-              <a:t>DEMO / Conclusions </a:t>
-            </a:r>
-          </a:p>
-        </p:txBody>
-      </p:sp>
-      <p:sp>
-        <p:nvSpPr>
-          <p:cNvPr id="3" name="Content Placeholder 2"/>
-          <p:cNvSpPr>
-            <a:spLocks noGrp="1"/>
-          </p:cNvSpPr>
-          <p:nvPr>
-            <p:ph sz="quarter" idx="10"/>
-          </p:nvPr>
-        </p:nvSpPr>
-        <p:spPr>
-          <a:xfrm>
-            <a:off x="357187" y="1255218"/>
-            <a:ext cx="8429625" cy="3397250"/>
-          </a:xfrm>
-        </p:spPr>
-        <p:txBody>
-          <a:bodyPr/>
-          <a:lstStyle/>
-          <a:p>
-            <a:r>
-              <a:rPr lang="en-US" sz="1200" b="0" i="0" dirty="0">
-                <a:effectLst/>
-                <a:latin typeface="+mn-lt"/>
-              </a:rPr>
-              <a:t>(What is done, what I would like to improve and ways to improve)</a:t>
-            </a:r>
           </a:p>
           <a:p>
             <a:pPr algn="l"/>
@@ -23108,10 +23359,18 @@
             <a:spLocks noGrp="1"/>
           </p:cNvSpPr>
           <p:nvPr>
-            <p:ph type="sldNum" sz="quarter" idx="4"/>
+            <p:ph type="sldNum" sz="quarter" idx="4294967295"/>
           </p:nvPr>
         </p:nvSpPr>
-        <p:spPr/>
+        <p:spPr>
+          <a:xfrm>
+            <a:off x="7770813" y="4826000"/>
+            <a:ext cx="1373187" cy="317500"/>
+          </a:xfrm>
+          <a:prstGeom prst="rect">
+            <a:avLst/>
+          </a:prstGeom>
+        </p:spPr>
         <p:txBody>
           <a:bodyPr/>
           <a:lstStyle/>
@@ -23119,7 +23378,7 @@
             <a:fld id="{3A707DD9-E92B-45E8-BE0A-E6B2EDF345EB}" type="slidenum">
               <a:rPr lang="en-US" smtClean="0"/>
               <a:pPr/>
-              <a:t>6</a:t>
+              <a:t>5</a:t>
             </a:fld>
             <a:endParaRPr lang="en-US" dirty="0"/>
           </a:p>
@@ -23138,7 +23397,7 @@
 </p:sld>
 </file>
 
-<file path=ppt/slides/slide7.xml><?xml version="1.0" encoding="utf-8"?>
+<file path=ppt/slides/slide6.xml><?xml version="1.0" encoding="utf-8"?>
 <p:sld xmlns:a="http://schemas.openxmlformats.org/drawingml/2006/main" xmlns:r="http://schemas.openxmlformats.org/officeDocument/2006/relationships" xmlns:p="http://schemas.openxmlformats.org/presentationml/2006/main">
   <p:cSld>
     <p:spTree>
@@ -23168,10 +23427,18 @@
             <a:spLocks noGrp="1"/>
           </p:cNvSpPr>
           <p:nvPr>
-            <p:ph type="sldNum" sz="quarter" idx="4"/>
+            <p:ph type="sldNum" sz="quarter" idx="4294967295"/>
           </p:nvPr>
         </p:nvSpPr>
-        <p:spPr/>
+        <p:spPr>
+          <a:xfrm>
+            <a:off x="7770813" y="4826000"/>
+            <a:ext cx="1373187" cy="317500"/>
+          </a:xfrm>
+          <a:prstGeom prst="rect">
+            <a:avLst/>
+          </a:prstGeom>
+        </p:spPr>
         <p:txBody>
           <a:bodyPr/>
           <a:lstStyle/>
@@ -23179,7 +23446,7 @@
             <a:fld id="{3A707DD9-E92B-45E8-BE0A-E6B2EDF345EB}" type="slidenum">
               <a:rPr lang="en-US" smtClean="0"/>
               <a:pPr/>
-              <a:t>7</a:t>
+              <a:t>6</a:t>
             </a:fld>
             <a:endParaRPr lang="en-US" dirty="0"/>
           </a:p>
@@ -23199,7 +23466,7 @@
         </p:nvSpPr>
         <p:spPr>
           <a:xfrm>
-            <a:off x="3034146" y="2187029"/>
+            <a:off x="2286000" y="1802309"/>
             <a:ext cx="4572000" cy="769441"/>
           </a:xfrm>
           <a:prstGeom prst="rect">
@@ -23213,8 +23480,13 @@
           </a:bodyPr>
           <a:lstStyle/>
           <a:p>
-            <a:r>
-              <a:rPr lang="en-GB" sz="4400" dirty="0"/>
+            <a:pPr algn="ctr"/>
+            <a:r>
+              <a:rPr lang="en-GB" sz="4400" dirty="0">
+                <a:solidFill>
+                  <a:schemeClr val="bg1"/>
+                </a:solidFill>
+              </a:rPr>
               <a:t>Questions</a:t>
             </a:r>
           </a:p>
